--- a/Обзор.pptx
+++ b/Обзор.pptx
@@ -200,7 +200,8 @@
           <a:p>
             <a:fld id="{EA72A1A8-62F0-4B53-983C-C2CFECC0577F}" type="datetimeFigureOut">
               <a:rPr lang="ru-RU" smtClean="0"/>
-              <a:t>23.11.2021</a:t>
+              <a:pPr/>
+              <a:t>24.11.2021</a:t>
             </a:fld>
             <a:endParaRPr lang="ru-RU"/>
           </a:p>
@@ -361,6 +362,7 @@
           <a:p>
             <a:fld id="{C730E450-D7F5-434B-9638-97637FC0C7CB}" type="slidenum">
               <a:rPr lang="ru-RU" smtClean="0"/>
+              <a:pPr/>
               <a:t>‹#›</a:t>
             </a:fld>
             <a:endParaRPr lang="ru-RU"/>
@@ -532,6 +534,7 @@
           <a:p>
             <a:fld id="{C730E450-D7F5-434B-9638-97637FC0C7CB}" type="slidenum">
               <a:rPr lang="ru-RU" smtClean="0"/>
+              <a:pPr/>
               <a:t>9</a:t>
             </a:fld>
             <a:endParaRPr lang="ru-RU"/>
@@ -728,7 +731,7 @@
             <a:fld id="{5B106E36-FD25-4E2D-B0AA-010F637433A0}" type="datetimeFigureOut">
               <a:rPr lang="ru-RU" smtClean="0"/>
               <a:pPr/>
-              <a:t>23.11.2021</a:t>
+              <a:t>24.11.2021</a:t>
             </a:fld>
             <a:endParaRPr lang="ru-RU"/>
           </a:p>
@@ -895,7 +898,7 @@
             <a:fld id="{5B106E36-FD25-4E2D-B0AA-010F637433A0}" type="datetimeFigureOut">
               <a:rPr lang="ru-RU" smtClean="0"/>
               <a:pPr/>
-              <a:t>23.11.2021</a:t>
+              <a:t>24.11.2021</a:t>
             </a:fld>
             <a:endParaRPr lang="ru-RU"/>
           </a:p>
@@ -1072,7 +1075,7 @@
             <a:fld id="{5B106E36-FD25-4E2D-B0AA-010F637433A0}" type="datetimeFigureOut">
               <a:rPr lang="ru-RU" smtClean="0"/>
               <a:pPr/>
-              <a:t>23.11.2021</a:t>
+              <a:t>24.11.2021</a:t>
             </a:fld>
             <a:endParaRPr lang="ru-RU"/>
           </a:p>
@@ -1239,7 +1242,7 @@
             <a:fld id="{5B106E36-FD25-4E2D-B0AA-010F637433A0}" type="datetimeFigureOut">
               <a:rPr lang="ru-RU" smtClean="0"/>
               <a:pPr/>
-              <a:t>23.11.2021</a:t>
+              <a:t>24.11.2021</a:t>
             </a:fld>
             <a:endParaRPr lang="ru-RU"/>
           </a:p>
@@ -1482,7 +1485,7 @@
             <a:fld id="{5B106E36-FD25-4E2D-B0AA-010F637433A0}" type="datetimeFigureOut">
               <a:rPr lang="ru-RU" smtClean="0"/>
               <a:pPr/>
-              <a:t>23.11.2021</a:t>
+              <a:t>24.11.2021</a:t>
             </a:fld>
             <a:endParaRPr lang="ru-RU"/>
           </a:p>
@@ -1767,7 +1770,7 @@
             <a:fld id="{5B106E36-FD25-4E2D-B0AA-010F637433A0}" type="datetimeFigureOut">
               <a:rPr lang="ru-RU" smtClean="0"/>
               <a:pPr/>
-              <a:t>23.11.2021</a:t>
+              <a:t>24.11.2021</a:t>
             </a:fld>
             <a:endParaRPr lang="ru-RU"/>
           </a:p>
@@ -2186,7 +2189,7 @@
             <a:fld id="{5B106E36-FD25-4E2D-B0AA-010F637433A0}" type="datetimeFigureOut">
               <a:rPr lang="ru-RU" smtClean="0"/>
               <a:pPr/>
-              <a:t>23.11.2021</a:t>
+              <a:t>24.11.2021</a:t>
             </a:fld>
             <a:endParaRPr lang="ru-RU"/>
           </a:p>
@@ -2301,7 +2304,7 @@
             <a:fld id="{5B106E36-FD25-4E2D-B0AA-010F637433A0}" type="datetimeFigureOut">
               <a:rPr lang="ru-RU" smtClean="0"/>
               <a:pPr/>
-              <a:t>23.11.2021</a:t>
+              <a:t>24.11.2021</a:t>
             </a:fld>
             <a:endParaRPr lang="ru-RU"/>
           </a:p>
@@ -2393,7 +2396,7 @@
             <a:fld id="{5B106E36-FD25-4E2D-B0AA-010F637433A0}" type="datetimeFigureOut">
               <a:rPr lang="ru-RU" smtClean="0"/>
               <a:pPr/>
-              <a:t>23.11.2021</a:t>
+              <a:t>24.11.2021</a:t>
             </a:fld>
             <a:endParaRPr lang="ru-RU"/>
           </a:p>
@@ -2667,7 +2670,7 @@
             <a:fld id="{5B106E36-FD25-4E2D-B0AA-010F637433A0}" type="datetimeFigureOut">
               <a:rPr lang="ru-RU" smtClean="0"/>
               <a:pPr/>
-              <a:t>23.11.2021</a:t>
+              <a:t>24.11.2021</a:t>
             </a:fld>
             <a:endParaRPr lang="ru-RU"/>
           </a:p>
@@ -2917,7 +2920,7 @@
             <a:fld id="{5B106E36-FD25-4E2D-B0AA-010F637433A0}" type="datetimeFigureOut">
               <a:rPr lang="ru-RU" smtClean="0"/>
               <a:pPr/>
-              <a:t>23.11.2021</a:t>
+              <a:t>24.11.2021</a:t>
             </a:fld>
             <a:endParaRPr lang="ru-RU"/>
           </a:p>
@@ -3127,7 +3130,7 @@
             <a:fld id="{5B106E36-FD25-4E2D-B0AA-010F637433A0}" type="datetimeFigureOut">
               <a:rPr lang="ru-RU" smtClean="0"/>
               <a:pPr/>
-              <a:t>23.11.2021</a:t>
+              <a:t>24.11.2021</a:t>
             </a:fld>
             <a:endParaRPr lang="ru-RU"/>
           </a:p>
@@ -3628,7 +3631,11 @@
           <a:bodyPr/>
           <a:lstStyle/>
           <a:p>
-            <a:endParaRPr lang="ru-RU"/>
+            <a:r>
+              <a:rPr lang="ru-RU" dirty="0" smtClean="0"/>
+              <a:t>Мотивация</a:t>
+            </a:r>
+            <a:endParaRPr lang="ru-RU" dirty="0"/>
           </a:p>
         </p:txBody>
       </p:sp>
@@ -3647,6 +3654,34 @@
           <a:bodyPr/>
           <a:lstStyle/>
           <a:p>
+            <a:pPr marL="514350" indent="-514350">
+              <a:buFont typeface="+mj-lt"/>
+              <a:buAutoNum type="arabicPeriod"/>
+            </a:pPr>
+            <a:r>
+              <a:rPr lang="ru-RU" dirty="0" smtClean="0"/>
+              <a:t>Конечно-автоматные методы активно используются в тестировании ПО</a:t>
+            </a:r>
+          </a:p>
+          <a:p>
+            <a:pPr marL="514350" indent="-514350">
+              <a:buFont typeface="+mj-lt"/>
+              <a:buAutoNum type="arabicPeriod"/>
+            </a:pPr>
+            <a:r>
+              <a:rPr lang="ru-RU" dirty="0" smtClean="0"/>
+              <a:t>Высокая сложность тестов подталкивает к их автоматизации</a:t>
+            </a:r>
+          </a:p>
+          <a:p>
+            <a:pPr marL="514350" indent="-514350">
+              <a:buFont typeface="+mj-lt"/>
+              <a:buAutoNum type="arabicPeriod"/>
+            </a:pPr>
+            <a:r>
+              <a:rPr lang="ru-RU" dirty="0" smtClean="0"/>
+              <a:t>Одним из объектов тестирования являются реализации на ООЯП</a:t>
+            </a:r>
             <a:endParaRPr lang="ru-RU" dirty="0" smtClean="0"/>
           </a:p>
         </p:txBody>
@@ -3656,6 +3691,161 @@
   <p:clrMapOvr>
     <a:masterClrMapping/>
   </p:clrMapOvr>
+  <p:transition>
+    <p:fade/>
+  </p:transition>
+  <p:timing>
+    <p:tnLst>
+      <p:par>
+        <p:cTn id="1" dur="indefinite" restart="never" nodeType="tmRoot">
+          <p:childTnLst>
+            <p:seq concurrent="1" nextAc="seek">
+              <p:cTn id="2" dur="indefinite" nodeType="mainSeq">
+                <p:childTnLst>
+                  <p:par>
+                    <p:cTn id="3" fill="hold">
+                      <p:stCondLst>
+                        <p:cond delay="indefinite"/>
+                      </p:stCondLst>
+                      <p:childTnLst>
+                        <p:par>
+                          <p:cTn id="4" fill="hold">
+                            <p:stCondLst>
+                              <p:cond delay="0"/>
+                            </p:stCondLst>
+                            <p:childTnLst>
+                              <p:par>
+                                <p:cTn id="5" presetID="10" presetClass="entr" presetSubtype="0" fill="hold" nodeType="clickEffect">
+                                  <p:stCondLst>
+                                    <p:cond delay="0"/>
+                                  </p:stCondLst>
+                                  <p:childTnLst>
+                                    <p:set>
+                                      <p:cBhvr>
+                                        <p:cTn id="6" dur="1" fill="hold">
+                                          <p:stCondLst>
+                                            <p:cond delay="0"/>
+                                          </p:stCondLst>
+                                        </p:cTn>
+                                        <p:tgtEl>
+                                          <p:spTgt spid="3">
+                                            <p:txEl>
+                                              <p:pRg st="1" end="1"/>
+                                            </p:txEl>
+                                          </p:spTgt>
+                                        </p:tgtEl>
+                                        <p:attrNameLst>
+                                          <p:attrName>style.visibility</p:attrName>
+                                        </p:attrNameLst>
+                                      </p:cBhvr>
+                                      <p:to>
+                                        <p:strVal val="visible"/>
+                                      </p:to>
+                                    </p:set>
+                                    <p:animEffect transition="in" filter="fade">
+                                      <p:cBhvr>
+                                        <p:cTn id="7" dur="2000"/>
+                                        <p:tgtEl>
+                                          <p:spTgt spid="3">
+                                            <p:txEl>
+                                              <p:pRg st="1" end="1"/>
+                                            </p:txEl>
+                                          </p:spTgt>
+                                        </p:tgtEl>
+                                      </p:cBhvr>
+                                    </p:animEffect>
+                                  </p:childTnLst>
+                                </p:cTn>
+                              </p:par>
+                            </p:childTnLst>
+                          </p:cTn>
+                        </p:par>
+                      </p:childTnLst>
+                    </p:cTn>
+                  </p:par>
+                  <p:par>
+                    <p:cTn id="8" fill="hold">
+                      <p:stCondLst>
+                        <p:cond delay="indefinite"/>
+                      </p:stCondLst>
+                      <p:childTnLst>
+                        <p:par>
+                          <p:cTn id="9" fill="hold">
+                            <p:stCondLst>
+                              <p:cond delay="0"/>
+                            </p:stCondLst>
+                            <p:childTnLst>
+                              <p:par>
+                                <p:cTn id="10" presetID="10" presetClass="entr" presetSubtype="0" fill="hold" nodeType="clickEffect">
+                                  <p:stCondLst>
+                                    <p:cond delay="0"/>
+                                  </p:stCondLst>
+                                  <p:childTnLst>
+                                    <p:set>
+                                      <p:cBhvr>
+                                        <p:cTn id="11" dur="1" fill="hold">
+                                          <p:stCondLst>
+                                            <p:cond delay="0"/>
+                                          </p:stCondLst>
+                                        </p:cTn>
+                                        <p:tgtEl>
+                                          <p:spTgt spid="3">
+                                            <p:txEl>
+                                              <p:pRg st="2" end="2"/>
+                                            </p:txEl>
+                                          </p:spTgt>
+                                        </p:tgtEl>
+                                        <p:attrNameLst>
+                                          <p:attrName>style.visibility</p:attrName>
+                                        </p:attrNameLst>
+                                      </p:cBhvr>
+                                      <p:to>
+                                        <p:strVal val="visible"/>
+                                      </p:to>
+                                    </p:set>
+                                    <p:animEffect transition="in" filter="fade">
+                                      <p:cBhvr>
+                                        <p:cTn id="12" dur="2000"/>
+                                        <p:tgtEl>
+                                          <p:spTgt spid="3">
+                                            <p:txEl>
+                                              <p:pRg st="2" end="2"/>
+                                            </p:txEl>
+                                          </p:spTgt>
+                                        </p:tgtEl>
+                                      </p:cBhvr>
+                                    </p:animEffect>
+                                  </p:childTnLst>
+                                </p:cTn>
+                              </p:par>
+                            </p:childTnLst>
+                          </p:cTn>
+                        </p:par>
+                      </p:childTnLst>
+                    </p:cTn>
+                  </p:par>
+                </p:childTnLst>
+              </p:cTn>
+              <p:prevCondLst>
+                <p:cond evt="onPrev" delay="0">
+                  <p:tgtEl>
+                    <p:sldTgt/>
+                  </p:tgtEl>
+                </p:cond>
+              </p:prevCondLst>
+              <p:nextCondLst>
+                <p:cond evt="onNext" delay="0">
+                  <p:tgtEl>
+                    <p:sldTgt/>
+                  </p:tgtEl>
+                </p:cond>
+              </p:nextCondLst>
+            </p:seq>
+          </p:childTnLst>
+        </p:cTn>
+      </p:par>
+    </p:tnLst>
+  </p:timing>
 </p:sld>
 </file>
 
@@ -3689,7 +3879,7 @@
         <p:spPr>
           <a:xfrm>
             <a:off x="428596" y="0"/>
-            <a:ext cx="8229600" cy="857250"/>
+            <a:ext cx="8229600" cy="714362"/>
           </a:xfrm>
         </p:spPr>
         <p:txBody>
@@ -3702,307 +3892,6 @@
               <a:rPr lang="ru-RU" dirty="0" smtClean="0"/>
               <a:t>Основные понятия и определения</a:t>
             </a:r>
-            <a:endParaRPr lang="ru-RU" dirty="0"/>
-          </a:p>
-        </p:txBody>
-      </p:sp>
-      <p:sp>
-        <p:nvSpPr>
-          <p:cNvPr id="60" name="TextBox 59"/>
-          <p:cNvSpPr txBox="1"/>
-          <p:nvPr/>
-        </p:nvSpPr>
-        <p:spPr>
-          <a:xfrm>
-            <a:off x="142844" y="928676"/>
-            <a:ext cx="8805454" cy="3970318"/>
-          </a:xfrm>
-          <a:prstGeom prst="rect">
-            <a:avLst/>
-          </a:prstGeom>
-          <a:noFill/>
-        </p:spPr>
-        <p:txBody>
-          <a:bodyPr wrap="square" rtlCol="0">
-            <a:spAutoFit/>
-          </a:bodyPr>
-          <a:lstStyle/>
-          <a:p>
-            <a:r>
-              <a:rPr lang="ru-RU" i="1" dirty="0" smtClean="0"/>
-              <a:t>Конечным автоматом</a:t>
-            </a:r>
-            <a:r>
-              <a:rPr lang="ru-RU" dirty="0" smtClean="0"/>
-              <a:t> </a:t>
-            </a:r>
-            <a:r>
-              <a:rPr lang="en-US" dirty="0" smtClean="0"/>
-              <a:t>M </a:t>
-            </a:r>
-            <a:r>
-              <a:rPr lang="ru-RU" dirty="0" smtClean="0"/>
-              <a:t>называется синхронная система с конечным входным алфавитом </a:t>
-            </a:r>
-            <a:r>
-              <a:rPr lang="en-US" dirty="0" smtClean="0"/>
-              <a:t>	 </a:t>
-            </a:r>
-            <a:r>
-              <a:rPr lang="en-US" dirty="0" smtClean="0"/>
-              <a:t>                , </a:t>
-            </a:r>
-            <a:r>
-              <a:rPr lang="ru-RU" dirty="0" smtClean="0"/>
-              <a:t>с </a:t>
-            </a:r>
-            <a:r>
-              <a:rPr lang="ru-RU" dirty="0" smtClean="0"/>
-              <a:t>конечным выходным </a:t>
-            </a:r>
-            <a:r>
-              <a:rPr lang="ru-RU" dirty="0" smtClean="0"/>
-              <a:t>алфавитом</a:t>
-            </a:r>
-            <a:r>
-              <a:rPr lang="en-US" dirty="0" smtClean="0"/>
-              <a:t>       </a:t>
-            </a:r>
-            <a:r>
-              <a:rPr lang="en-US" dirty="0" smtClean="0"/>
-              <a:t>	</a:t>
-            </a:r>
-            <a:r>
-              <a:rPr lang="en-US" dirty="0" smtClean="0"/>
-              <a:t>          </a:t>
-            </a:r>
-            <a:r>
-              <a:rPr lang="ru-RU" dirty="0" smtClean="0"/>
-              <a:t>, </a:t>
-            </a:r>
-            <a:r>
-              <a:rPr lang="ru-RU" dirty="0" smtClean="0"/>
-              <a:t>с конечным множеством </a:t>
-            </a:r>
-            <a:r>
-              <a:rPr lang="ru-RU" dirty="0" smtClean="0"/>
-              <a:t>состояний</a:t>
-            </a:r>
-            <a:r>
-              <a:rPr lang="en-US" dirty="0" smtClean="0"/>
-              <a:t> </a:t>
-            </a:r>
-            <a:r>
-              <a:rPr lang="en-US" dirty="0" smtClean="0"/>
-              <a:t>		           </a:t>
-            </a:r>
-            <a:r>
-              <a:rPr lang="ru-RU" dirty="0" smtClean="0"/>
-              <a:t>и </a:t>
-            </a:r>
-            <a:r>
-              <a:rPr lang="ru-RU" dirty="0" smtClean="0"/>
-              <a:t>двумя характеристическими </a:t>
-            </a:r>
-            <a:r>
-              <a:rPr lang="ru-RU" dirty="0" smtClean="0"/>
-              <a:t>функциями</a:t>
-            </a:r>
-            <a:r>
-              <a:rPr lang="en-US" dirty="0" smtClean="0"/>
-              <a:t>      </a:t>
-            </a:r>
-            <a:r>
-              <a:rPr lang="ru-RU" dirty="0" smtClean="0"/>
-              <a:t>и</a:t>
-            </a:r>
-            <a:r>
-              <a:rPr lang="en-US" dirty="0" smtClean="0"/>
-              <a:t> </a:t>
-            </a:r>
-            <a:r>
-              <a:rPr lang="ru-RU" dirty="0" smtClean="0"/>
-              <a:t> </a:t>
-            </a:r>
-            <a:r>
-              <a:rPr lang="en-US" dirty="0" smtClean="0"/>
-              <a:t>   </a:t>
-            </a:r>
-            <a:r>
-              <a:rPr lang="ru-RU" dirty="0" smtClean="0"/>
-              <a:t>:</a:t>
-            </a:r>
-            <a:endParaRPr lang="ru-RU" dirty="0" smtClean="0"/>
-          </a:p>
-          <a:p>
-            <a:r>
-              <a:rPr lang="en-US" dirty="0" smtClean="0"/>
-              <a:t>			</a:t>
-            </a:r>
-            <a:r>
-              <a:rPr lang="ru-RU" dirty="0" smtClean="0"/>
-              <a:t>,</a:t>
-            </a:r>
-            <a:endParaRPr lang="ru-RU" dirty="0" smtClean="0"/>
-          </a:p>
-          <a:p>
-            <a:r>
-              <a:rPr lang="en-US" dirty="0" smtClean="0"/>
-              <a:t>			</a:t>
-            </a:r>
-            <a:r>
-              <a:rPr lang="ru-RU" dirty="0" smtClean="0"/>
-              <a:t>,</a:t>
-            </a:r>
-            <a:endParaRPr lang="ru-RU" dirty="0" smtClean="0"/>
-          </a:p>
-          <a:p>
-            <a:r>
-              <a:rPr lang="ru-RU" dirty="0" smtClean="0"/>
-              <a:t>где  </a:t>
-            </a:r>
-            <a:r>
-              <a:rPr lang="en-US" dirty="0" smtClean="0"/>
-              <a:t>	</a:t>
-            </a:r>
-            <a:r>
-              <a:rPr lang="ru-RU" dirty="0" smtClean="0"/>
-              <a:t>и</a:t>
-            </a:r>
-            <a:r>
-              <a:rPr lang="en-US" dirty="0" smtClean="0"/>
-              <a:t> </a:t>
-            </a:r>
-            <a:r>
-              <a:rPr lang="en-US" dirty="0" smtClean="0"/>
-              <a:t> </a:t>
-            </a:r>
-            <a:r>
-              <a:rPr lang="ru-RU" dirty="0" smtClean="0"/>
-              <a:t>  </a:t>
-            </a:r>
-            <a:r>
-              <a:rPr lang="en-US" dirty="0" smtClean="0"/>
-              <a:t>  </a:t>
-            </a:r>
-            <a:r>
-              <a:rPr lang="ru-RU" dirty="0" smtClean="0"/>
-              <a:t>- </a:t>
-            </a:r>
-            <a:r>
-              <a:rPr lang="ru-RU" dirty="0" smtClean="0"/>
-              <a:t>соответственно входной символ, выходной символ и состояние автомата </a:t>
-            </a:r>
-            <a:r>
-              <a:rPr lang="en-US" dirty="0" smtClean="0"/>
-              <a:t>M </a:t>
-            </a:r>
-            <a:r>
-              <a:rPr lang="ru-RU" dirty="0" smtClean="0"/>
-              <a:t>в момент </a:t>
-            </a:r>
-            <a:r>
-              <a:rPr lang="en-US" dirty="0" smtClean="0"/>
-              <a:t>	 </a:t>
-            </a:r>
-            <a:r>
-              <a:rPr lang="en-US" dirty="0" smtClean="0"/>
-              <a:t>              </a:t>
-            </a:r>
-            <a:r>
-              <a:rPr lang="ru-RU" dirty="0" smtClean="0"/>
-              <a:t>. </a:t>
-            </a:r>
-            <a:r>
-              <a:rPr lang="ru-RU" dirty="0" smtClean="0"/>
-              <a:t>Система называется </a:t>
-            </a:r>
-            <a:r>
-              <a:rPr lang="ru-RU" i="1" dirty="0" smtClean="0"/>
-              <a:t>синхронной</a:t>
-            </a:r>
-            <a:r>
-              <a:rPr lang="ru-RU" dirty="0" smtClean="0"/>
-              <a:t>, поскольку её переменные рассматриваются в дискретные моменты </a:t>
-            </a:r>
-            <a:r>
-              <a:rPr lang="ru-RU" dirty="0" smtClean="0"/>
-              <a:t>времени</a:t>
-            </a:r>
-            <a:r>
-              <a:rPr lang="en-US" dirty="0" smtClean="0"/>
-              <a:t>     </a:t>
-            </a:r>
-            <a:r>
-              <a:rPr lang="ru-RU" dirty="0" smtClean="0"/>
-              <a:t>и </a:t>
-            </a:r>
-            <a:r>
-              <a:rPr lang="ru-RU" dirty="0" smtClean="0"/>
-              <a:t>не зависят от его текущего значения, а только от номера </a:t>
-            </a:r>
-            <a:r>
-              <a:rPr lang="en-US" dirty="0" smtClean="0"/>
-              <a:t>  </a:t>
-            </a:r>
-            <a:r>
-              <a:rPr lang="ru-RU" dirty="0" smtClean="0"/>
-              <a:t>.</a:t>
-            </a:r>
-            <a:endParaRPr lang="en-US" dirty="0" smtClean="0"/>
-          </a:p>
-          <a:p>
-            <a:r>
-              <a:rPr lang="ru-RU" dirty="0" smtClean="0"/>
-              <a:t>Автомат </a:t>
-            </a:r>
-            <a:r>
-              <a:rPr lang="ru-RU" dirty="0" smtClean="0"/>
-              <a:t>называется </a:t>
-            </a:r>
-            <a:r>
-              <a:rPr lang="ru-RU" i="1" dirty="0" smtClean="0"/>
-              <a:t>полным</a:t>
-            </a:r>
-            <a:r>
-              <a:rPr lang="ru-RU" dirty="0" smtClean="0"/>
-              <a:t> или </a:t>
-            </a:r>
-            <a:r>
-              <a:rPr lang="ru-RU" i="1" dirty="0" smtClean="0"/>
-              <a:t>полностью определенным (детерминированным)</a:t>
-            </a:r>
-            <a:r>
-              <a:rPr lang="ru-RU" dirty="0" smtClean="0"/>
-              <a:t>, если области определения его характеристических функций совпадают </a:t>
-            </a:r>
-            <a:r>
-              <a:rPr lang="ru-RU" dirty="0" smtClean="0"/>
-              <a:t>с</a:t>
-            </a:r>
-            <a:r>
-              <a:rPr lang="ru-RU" dirty="0" smtClean="0"/>
-              <a:t>	 </a:t>
-            </a:r>
-            <a:r>
-              <a:rPr lang="ru-RU" dirty="0" smtClean="0"/>
-              <a:t>      ; </a:t>
-            </a:r>
-            <a:r>
-              <a:rPr lang="ru-RU" dirty="0" smtClean="0"/>
-              <a:t>в противном случае автомат называется </a:t>
-            </a:r>
-            <a:r>
-              <a:rPr lang="ru-RU" i="1" dirty="0" smtClean="0"/>
-              <a:t>частичным</a:t>
-            </a:r>
-            <a:r>
-              <a:rPr lang="en-US" dirty="0" smtClean="0"/>
-              <a:t>.</a:t>
-            </a:r>
-            <a:endParaRPr lang="ru-RU" dirty="0" smtClean="0"/>
-          </a:p>
-          <a:p>
             <a:endParaRPr lang="ru-RU" dirty="0"/>
           </a:p>
         </p:txBody>
@@ -4073,8 +3962,8 @@
         </p:blipFill>
         <p:spPr bwMode="auto">
           <a:xfrm>
-            <a:off x="1357290" y="1285866"/>
-            <a:ext cx="1572401" cy="393100"/>
+            <a:off x="4714876" y="1500180"/>
+            <a:ext cx="2000193" cy="500048"/>
           </a:xfrm>
           <a:prstGeom prst="rect">
             <a:avLst/>
@@ -4148,8 +4037,8 @@
         </p:blipFill>
         <p:spPr bwMode="auto">
           <a:xfrm>
-            <a:off x="6500826" y="1285866"/>
-            <a:ext cx="1537458" cy="393100"/>
+            <a:off x="4929190" y="1857370"/>
+            <a:ext cx="2096332" cy="535994"/>
           </a:xfrm>
           <a:prstGeom prst="rect">
             <a:avLst/>
@@ -4223,8 +4112,8 @@
         </p:blipFill>
         <p:spPr bwMode="auto">
           <a:xfrm>
-            <a:off x="3643306" y="1571618"/>
-            <a:ext cx="1703434" cy="357190"/>
+            <a:off x="5072066" y="2214560"/>
+            <a:ext cx="2384722" cy="500048"/>
           </a:xfrm>
           <a:prstGeom prst="rect">
             <a:avLst/>
@@ -4298,8 +4187,8 @@
         </p:blipFill>
         <p:spPr bwMode="auto">
           <a:xfrm>
-            <a:off x="1428728" y="1785932"/>
-            <a:ext cx="161586" cy="357191"/>
+            <a:off x="5214942" y="2571750"/>
+            <a:ext cx="214314" cy="473748"/>
           </a:xfrm>
           <a:prstGeom prst="rect">
             <a:avLst/>
@@ -4373,8 +4262,8 @@
         </p:blipFill>
         <p:spPr bwMode="auto">
           <a:xfrm>
-            <a:off x="1857356" y="1785932"/>
-            <a:ext cx="153081" cy="357190"/>
+            <a:off x="5715008" y="2571750"/>
+            <a:ext cx="214314" cy="500067"/>
           </a:xfrm>
           <a:prstGeom prst="rect">
             <a:avLst/>
@@ -4448,8 +4337,8 @@
         </p:blipFill>
         <p:spPr bwMode="auto">
           <a:xfrm>
-            <a:off x="1643042" y="2071684"/>
-            <a:ext cx="1292622" cy="357172"/>
+            <a:off x="1285852" y="2928940"/>
+            <a:ext cx="1578374" cy="436130"/>
           </a:xfrm>
           <a:prstGeom prst="rect">
             <a:avLst/>
@@ -4523,8 +4412,8 @@
         </p:blipFill>
         <p:spPr bwMode="auto">
           <a:xfrm>
-            <a:off x="1428728" y="2357436"/>
-            <a:ext cx="1471208" cy="357172"/>
+            <a:off x="1071538" y="3286130"/>
+            <a:ext cx="1765464" cy="428610"/>
           </a:xfrm>
           <a:prstGeom prst="rect">
             <a:avLst/>
@@ -4598,8 +4487,8 @@
         </p:blipFill>
         <p:spPr bwMode="auto">
           <a:xfrm>
-            <a:off x="571472" y="2643188"/>
-            <a:ext cx="500034" cy="381844"/>
+            <a:off x="571472" y="3643320"/>
+            <a:ext cx="561275" cy="428610"/>
           </a:xfrm>
           <a:prstGeom prst="rect">
             <a:avLst/>
@@ -4673,8 +4562,8 @@
         </p:blipFill>
         <p:spPr bwMode="auto">
           <a:xfrm>
-            <a:off x="1321580" y="2643188"/>
-            <a:ext cx="178586" cy="357172"/>
+            <a:off x="1464438" y="3643320"/>
+            <a:ext cx="214314" cy="428628"/>
           </a:xfrm>
           <a:prstGeom prst="rect">
             <a:avLst/>
@@ -4748,8 +4637,8 @@
         </p:blipFill>
         <p:spPr bwMode="auto">
           <a:xfrm>
-            <a:off x="1500166" y="2928940"/>
-            <a:ext cx="1326639" cy="357172"/>
+            <a:off x="4357686" y="4000510"/>
+            <a:ext cx="1592047" cy="428628"/>
           </a:xfrm>
           <a:prstGeom prst="rect">
             <a:avLst/>
@@ -4795,43 +4684,6 @@
           </a:p>
         </p:txBody>
       </p:sp>
-      <p:pic>
-        <p:nvPicPr>
-          <p:cNvPr id="13386" name="Picture 74"/>
-          <p:cNvPicPr>
-            <a:picLocks noChangeAspect="1" noChangeArrowheads="1"/>
-          </p:cNvPicPr>
-          <p:nvPr/>
-        </p:nvPicPr>
-        <p:blipFill>
-          <a:blip r:embed="rId12">
-            <a:clrChange>
-              <a:clrFrom>
-                <a:srgbClr val="FFFFFF"/>
-              </a:clrFrom>
-              <a:clrTo>
-                <a:srgbClr val="FFFFFF">
-                  <a:alpha val="0"/>
-                </a:srgbClr>
-              </a:clrTo>
-            </a:clrChange>
-          </a:blip>
-          <a:srcRect/>
-          <a:stretch>
-            <a:fillRect/>
-          </a:stretch>
-        </p:blipFill>
-        <p:spPr bwMode="auto">
-          <a:xfrm>
-            <a:off x="5214942" y="3214692"/>
-            <a:ext cx="170091" cy="285752"/>
-          </a:xfrm>
-          <a:prstGeom prst="rect">
-            <a:avLst/>
-          </a:prstGeom>
-          <a:noFill/>
-        </p:spPr>
-      </p:pic>
       <p:sp>
         <p:nvSpPr>
           <p:cNvPr id="13389" name="Rectangle 77"/>
@@ -4872,14 +4724,14 @@
       </p:sp>
       <p:pic>
         <p:nvPicPr>
-          <p:cNvPr id="13388" name="Picture 76"/>
+          <p:cNvPr id="88" name="Picture 1"/>
           <p:cNvPicPr>
             <a:picLocks noChangeAspect="1" noChangeArrowheads="1"/>
           </p:cNvPicPr>
           <p:nvPr/>
         </p:nvPicPr>
         <p:blipFill>
-          <a:blip r:embed="rId13">
+          <a:blip r:embed="rId12">
             <a:clrChange>
               <a:clrFrom>
                 <a:srgbClr val="FFFFFF"/>
@@ -4898,8 +4750,8 @@
         </p:blipFill>
         <p:spPr bwMode="auto">
           <a:xfrm>
-            <a:off x="3143240" y="3500444"/>
-            <a:ext cx="110553" cy="285752"/>
+            <a:off x="7929586" y="4786328"/>
+            <a:ext cx="581710" cy="428628"/>
           </a:xfrm>
           <a:prstGeom prst="rect">
             <a:avLst/>
@@ -4907,43 +4759,214 @@
           <a:noFill/>
         </p:spPr>
       </p:pic>
-      <p:pic>
-        <p:nvPicPr>
-          <p:cNvPr id="88" name="Picture 1"/>
-          <p:cNvPicPr>
-            <a:picLocks noChangeAspect="1" noChangeArrowheads="1"/>
-          </p:cNvPicPr>
+      <p:sp>
+        <p:nvSpPr>
+          <p:cNvPr id="29" name="Прямоугольник 28"/>
+          <p:cNvSpPr/>
           <p:nvPr/>
-        </p:nvPicPr>
-        <p:blipFill>
-          <a:blip r:embed="rId14">
-            <a:clrChange>
-              <a:clrFrom>
-                <a:srgbClr val="FFFFFF"/>
-              </a:clrFrom>
-              <a:clrTo>
-                <a:srgbClr val="FFFFFF">
-                  <a:alpha val="0"/>
-                </a:srgbClr>
-              </a:clrTo>
-            </a:clrChange>
-          </a:blip>
-          <a:srcRect/>
-          <a:stretch>
-            <a:fillRect/>
-          </a:stretch>
-        </p:blipFill>
-        <p:spPr bwMode="auto">
+        </p:nvSpPr>
+        <p:spPr>
           <a:xfrm>
-            <a:off x="7429520" y="4000510"/>
-            <a:ext cx="484758" cy="357190"/>
+            <a:off x="0" y="642925"/>
+            <a:ext cx="9144000" cy="4500576"/>
           </a:xfrm>
           <a:prstGeom prst="rect">
             <a:avLst/>
           </a:prstGeom>
-          <a:noFill/>
         </p:spPr>
-      </p:pic>
+        <p:txBody>
+          <a:bodyPr wrap="square">
+            <a:spAutoFit/>
+          </a:bodyPr>
+          <a:lstStyle/>
+          <a:p>
+            <a:r>
+              <a:rPr lang="ru-RU" sz="2400" i="1" dirty="0" smtClean="0"/>
+              <a:t>Конечным автоматом</a:t>
+            </a:r>
+            <a:r>
+              <a:rPr lang="ru-RU" sz="2400" dirty="0" smtClean="0"/>
+              <a:t> </a:t>
+            </a:r>
+            <a:r>
+              <a:rPr lang="en-US" sz="2400" dirty="0" smtClean="0"/>
+              <a:t>M </a:t>
+            </a:r>
+            <a:r>
+              <a:rPr lang="ru-RU" sz="2400" dirty="0" smtClean="0"/>
+              <a:t>называется синхронная система состоящая из:</a:t>
+            </a:r>
+          </a:p>
+          <a:p>
+            <a:pPr lvl="1">
+              <a:buFont typeface="Arial" pitchFamily="34" charset="0"/>
+              <a:buChar char="•"/>
+            </a:pPr>
+            <a:r>
+              <a:rPr lang="ru-RU" sz="2400" dirty="0" smtClean="0"/>
+              <a:t> конечного входного алфавита</a:t>
+            </a:r>
+          </a:p>
+          <a:p>
+            <a:pPr lvl="1">
+              <a:buFont typeface="Arial" pitchFamily="34" charset="0"/>
+              <a:buChar char="•"/>
+            </a:pPr>
+            <a:r>
+              <a:rPr lang="ru-RU" sz="2400" dirty="0" smtClean="0"/>
+              <a:t> конечного выходного алфавита</a:t>
+            </a:r>
+          </a:p>
+          <a:p>
+            <a:pPr lvl="1">
+              <a:buFont typeface="Arial" pitchFamily="34" charset="0"/>
+              <a:buChar char="•"/>
+            </a:pPr>
+            <a:r>
+              <a:rPr lang="ru-RU" sz="2400" dirty="0" smtClean="0"/>
+              <a:t> конечного множества состояний</a:t>
+            </a:r>
+          </a:p>
+          <a:p>
+            <a:pPr lvl="1">
+              <a:buFont typeface="Arial" pitchFamily="34" charset="0"/>
+              <a:buChar char="•"/>
+            </a:pPr>
+            <a:r>
+              <a:rPr lang="ru-RU" sz="2400" dirty="0" smtClean="0"/>
+              <a:t> двух характеристических функций</a:t>
+            </a:r>
+            <a:r>
+              <a:rPr lang="en-US" sz="2400" dirty="0" smtClean="0"/>
+              <a:t>     </a:t>
+            </a:r>
+            <a:r>
+              <a:rPr lang="ru-RU" sz="2400" dirty="0" smtClean="0"/>
+              <a:t>и</a:t>
+            </a:r>
+            <a:r>
+              <a:rPr lang="en-US" sz="2400" dirty="0" smtClean="0"/>
+              <a:t> </a:t>
+            </a:r>
+            <a:r>
+              <a:rPr lang="ru-RU" sz="2400" dirty="0" smtClean="0"/>
+              <a:t> </a:t>
+            </a:r>
+            <a:r>
+              <a:rPr lang="en-US" sz="2400" dirty="0" smtClean="0"/>
+              <a:t>  </a:t>
+            </a:r>
+            <a:r>
+              <a:rPr lang="ru-RU" sz="2400" dirty="0" smtClean="0"/>
+              <a:t>:</a:t>
+            </a:r>
+            <a:endParaRPr lang="ru-RU" sz="2400" dirty="0" smtClean="0"/>
+          </a:p>
+          <a:p>
+            <a:r>
+              <a:rPr lang="en-US" sz="2400" dirty="0" smtClean="0"/>
+              <a:t>			</a:t>
+            </a:r>
+            <a:r>
+              <a:rPr lang="ru-RU" sz="2400" dirty="0" smtClean="0"/>
+              <a:t>,</a:t>
+            </a:r>
+          </a:p>
+          <a:p>
+            <a:r>
+              <a:rPr lang="en-US" sz="2400" dirty="0" smtClean="0"/>
+              <a:t>		</a:t>
+            </a:r>
+            <a:r>
+              <a:rPr lang="en-US" sz="2400" dirty="0" smtClean="0"/>
+              <a:t>	</a:t>
+            </a:r>
+            <a:r>
+              <a:rPr lang="ru-RU" sz="2400" dirty="0" smtClean="0"/>
+              <a:t>,</a:t>
+            </a:r>
+            <a:endParaRPr lang="ru-RU" sz="2400" dirty="0" smtClean="0"/>
+          </a:p>
+          <a:p>
+            <a:r>
+              <a:rPr lang="ru-RU" sz="2400" dirty="0" smtClean="0"/>
+              <a:t>где  </a:t>
+            </a:r>
+            <a:r>
+              <a:rPr lang="en-US" sz="2400" dirty="0" smtClean="0"/>
+              <a:t>	</a:t>
+            </a:r>
+            <a:r>
+              <a:rPr lang="ru-RU" sz="2400" dirty="0" smtClean="0"/>
+              <a:t>   и</a:t>
+            </a:r>
+            <a:r>
+              <a:rPr lang="en-US" sz="2400" dirty="0" smtClean="0"/>
+              <a:t>  </a:t>
+            </a:r>
+            <a:r>
+              <a:rPr lang="ru-RU" sz="2400" dirty="0" smtClean="0"/>
+              <a:t>  </a:t>
+            </a:r>
+            <a:r>
+              <a:rPr lang="en-US" sz="2400" dirty="0" smtClean="0"/>
+              <a:t> </a:t>
+            </a:r>
+            <a:r>
+              <a:rPr lang="ru-RU" sz="2400" dirty="0" smtClean="0"/>
+              <a:t>- </a:t>
+            </a:r>
+            <a:r>
+              <a:rPr lang="ru-RU" sz="2400" dirty="0" smtClean="0"/>
+              <a:t>соответственно входной символ, выходной символ и состояние автомата </a:t>
+            </a:r>
+            <a:r>
+              <a:rPr lang="en-US" sz="2400" dirty="0" smtClean="0"/>
+              <a:t>M </a:t>
+            </a:r>
+            <a:r>
+              <a:rPr lang="ru-RU" sz="2400" dirty="0" smtClean="0"/>
+              <a:t>в момент </a:t>
+            </a:r>
+            <a:r>
+              <a:rPr lang="en-US" sz="2400" dirty="0" smtClean="0"/>
+              <a:t>	               </a:t>
+            </a:r>
+            <a:r>
+              <a:rPr lang="ru-RU" sz="2400" dirty="0" smtClean="0"/>
+              <a:t> </a:t>
+            </a:r>
+            <a:r>
+              <a:rPr lang="ru-RU" sz="2400" dirty="0" smtClean="0"/>
+              <a:t>   . </a:t>
+            </a:r>
+            <a:endParaRPr lang="en-US" sz="2400" dirty="0" smtClean="0"/>
+          </a:p>
+          <a:p>
+            <a:r>
+              <a:rPr lang="ru-RU" sz="2400" dirty="0" smtClean="0"/>
+              <a:t>Автомат называется </a:t>
+            </a:r>
+            <a:r>
+              <a:rPr lang="ru-RU" sz="2400" i="1" dirty="0" smtClean="0"/>
+              <a:t>полностью определенным</a:t>
+            </a:r>
+            <a:r>
+              <a:rPr lang="ru-RU" sz="2400" dirty="0" smtClean="0"/>
+              <a:t>, </a:t>
+            </a:r>
+            <a:r>
+              <a:rPr lang="ru-RU" sz="2400" dirty="0" smtClean="0"/>
+              <a:t>если области определения его характеристических функций совпадают с	   </a:t>
+            </a:r>
+            <a:r>
+              <a:rPr lang="ru-RU" sz="2400" dirty="0" smtClean="0"/>
+              <a:t>.</a:t>
+            </a:r>
+            <a:endParaRPr lang="ru-RU" sz="2400" dirty="0" smtClean="0"/>
+          </a:p>
+        </p:txBody>
+      </p:sp>
     </p:spTree>
   </p:cSld>
   <p:clrMapOvr>
@@ -5156,7 +5179,7 @@
           </a:bodyPr>
           <a:lstStyle/>
           <a:p>
-            <a:pPr algn="just"/>
+            <a:pPr algn="ctr"/>
             <a:r>
               <a:rPr lang="ru-RU" dirty="0" smtClean="0"/>
               <a:t>Автомат называется </a:t>
@@ -5170,8 +5193,8 @@
               <a:t>, если любые два состояния в нем </a:t>
             </a:r>
             <a:r>
-              <a:rPr lang="ru-RU" dirty="0" err="1" smtClean="0"/>
-              <a:t>отличимы</a:t>
+              <a:rPr lang="ru-RU" dirty="0" smtClean="0"/>
+              <a:t>различимы</a:t>
             </a:r>
             <a:r>
               <a:rPr lang="ru-RU" dirty="0" smtClean="0"/>
@@ -5198,7 +5221,7 @@
         </p:blipFill>
         <p:spPr bwMode="auto">
           <a:xfrm>
-            <a:off x="71406" y="785800"/>
+            <a:off x="71406" y="857238"/>
             <a:ext cx="9072594" cy="4207400"/>
           </a:xfrm>
           <a:prstGeom prst="rect">
@@ -5212,6 +5235,9 @@
   <p:clrMapOvr>
     <a:masterClrMapping/>
   </p:clrMapOvr>
+  <p:transition>
+    <p:fade/>
+  </p:transition>
   <p:timing>
     <p:tnLst>
       <p:par>
@@ -5328,7 +5354,7 @@
         <p:spPr>
           <a:xfrm>
             <a:off x="500034" y="0"/>
-            <a:ext cx="8229600" cy="857250"/>
+            <a:ext cx="8229600" cy="857238"/>
           </a:xfrm>
         </p:spPr>
         <p:txBody>
@@ -5355,13 +5381,13 @@
         </p:nvSpPr>
         <p:spPr>
           <a:xfrm>
-            <a:off x="214282" y="857238"/>
-            <a:ext cx="8786874" cy="4286262"/>
+            <a:off x="0" y="928676"/>
+            <a:ext cx="9144000" cy="4214824"/>
           </a:xfrm>
         </p:spPr>
         <p:txBody>
           <a:bodyPr>
-            <a:normAutofit fontScale="62500" lnSpcReduction="20000"/>
+            <a:noAutofit/>
           </a:bodyPr>
           <a:lstStyle/>
           <a:p>
@@ -5369,14 +5395,18 @@
               <a:buNone/>
             </a:pPr>
             <a:r>
-              <a:rPr lang="ru-RU" dirty="0" smtClean="0"/>
+              <a:rPr lang="ru-RU" sz="2200" dirty="0" smtClean="0"/>
               <a:t>Модель неисправности конечного автомата представляет </a:t>
             </a:r>
             <a:r>
-              <a:rPr lang="ru-RU" dirty="0"/>
-              <a:t>собой тройку: </a:t>
-            </a:r>
-            <a:endParaRPr lang="ru-RU" dirty="0" smtClean="0"/>
+              <a:rPr lang="ru-RU" sz="2200" dirty="0" smtClean="0"/>
+              <a:t>собой тройку</a:t>
+            </a:r>
+            <a:r>
+              <a:rPr lang="ru-RU" sz="2200" dirty="0"/>
+              <a:t>: </a:t>
+            </a:r>
+            <a:endParaRPr lang="ru-RU" sz="2200" dirty="0" smtClean="0"/>
           </a:p>
           <a:p>
             <a:pPr marL="514350" indent="-514350">
@@ -5384,22 +5414,26 @@
               <a:buAutoNum type="arabicPeriod"/>
             </a:pPr>
             <a:r>
-              <a:rPr lang="ru-RU" dirty="0" smtClean="0"/>
+              <a:rPr lang="ru-RU" sz="2200" dirty="0" smtClean="0"/>
               <a:t>эталон </a:t>
             </a:r>
             <a:r>
-              <a:rPr lang="ru-RU" dirty="0"/>
-              <a:t>– конечный полностью определенный детерминированный приведённый инициальный автомат с </a:t>
-            </a:r>
-            <a:r>
-              <a:rPr lang="en-US" dirty="0"/>
-              <a:t>n </a:t>
-            </a:r>
-            <a:r>
-              <a:rPr lang="ru-RU" dirty="0"/>
-              <a:t>состояниями; </a:t>
-            </a:r>
-            <a:endParaRPr lang="ru-RU" dirty="0" smtClean="0"/>
+              <a:rPr lang="ru-RU" sz="2200" dirty="0"/>
+              <a:t>– конечный полностью </a:t>
+            </a:r>
+            <a:r>
+              <a:rPr lang="ru-RU" sz="2200" dirty="0" smtClean="0"/>
+              <a:t>определенный приведённый </a:t>
+            </a:r>
+            <a:r>
+              <a:rPr lang="ru-RU" sz="2200" dirty="0"/>
+              <a:t>инициальный </a:t>
+            </a:r>
+            <a:r>
+              <a:rPr lang="ru-RU" sz="2200" dirty="0" smtClean="0"/>
+              <a:t>автомат; </a:t>
+            </a:r>
+            <a:endParaRPr lang="ru-RU" sz="2200" dirty="0" smtClean="0"/>
           </a:p>
           <a:p>
             <a:pPr marL="514350" indent="-514350">
@@ -5407,14 +5441,30 @@
               <a:buAutoNum type="arabicPeriod"/>
             </a:pPr>
             <a:r>
-              <a:rPr lang="ru-RU" dirty="0" smtClean="0"/>
+              <a:rPr lang="ru-RU" sz="2200" dirty="0" smtClean="0"/>
               <a:t>область </a:t>
             </a:r>
             <a:r>
-              <a:rPr lang="ru-RU" dirty="0"/>
-              <a:t>неисправности – множество конечных полностью определенных детерминированных инициальных автоматов с числом состояний не более, чем у эталонного автомата, и тем же выходным алфавитом; </a:t>
-            </a:r>
-            <a:endParaRPr lang="ru-RU" dirty="0" smtClean="0"/>
+              <a:rPr lang="ru-RU" sz="2200" dirty="0"/>
+              <a:t>неисправности – множество конечных полностью </a:t>
+            </a:r>
+            <a:r>
+              <a:rPr lang="ru-RU" sz="2200" dirty="0" smtClean="0"/>
+              <a:t>определенных инициальных </a:t>
+            </a:r>
+            <a:r>
+              <a:rPr lang="ru-RU" sz="2200" dirty="0"/>
+              <a:t>автоматов с </a:t>
+            </a:r>
+            <a:r>
+              <a:rPr lang="ru-RU" sz="2200" dirty="0" smtClean="0"/>
+              <a:t>тем </a:t>
+            </a:r>
+            <a:r>
+              <a:rPr lang="ru-RU" sz="2200" dirty="0"/>
+              <a:t>же выходным алфавитом; </a:t>
+            </a:r>
+            <a:endParaRPr lang="ru-RU" sz="2200" dirty="0" smtClean="0"/>
           </a:p>
           <a:p>
             <a:pPr marL="514350" indent="-514350">
@@ -5422,27 +5472,27 @@
               <a:buAutoNum type="arabicPeriod"/>
             </a:pPr>
             <a:r>
-              <a:rPr lang="ru-RU" dirty="0" smtClean="0"/>
+              <a:rPr lang="ru-RU" sz="2200" dirty="0" smtClean="0"/>
               <a:t>отношение </a:t>
             </a:r>
             <a:r>
-              <a:rPr lang="ru-RU" dirty="0" err="1"/>
+              <a:rPr lang="ru-RU" sz="2200" dirty="0" err="1"/>
               <a:t>конформности</a:t>
             </a:r>
             <a:r>
-              <a:rPr lang="ru-RU" dirty="0"/>
+              <a:rPr lang="ru-RU" sz="2200" dirty="0"/>
               <a:t> – </a:t>
             </a:r>
             <a:r>
-              <a:rPr lang="ru-RU" dirty="0" err="1"/>
+              <a:rPr lang="ru-RU" sz="2200" dirty="0" err="1"/>
               <a:t>отношение</a:t>
             </a:r>
             <a:r>
-              <a:rPr lang="ru-RU" dirty="0"/>
+              <a:rPr lang="ru-RU" sz="2200" dirty="0"/>
               <a:t> эквивалентности</a:t>
             </a:r>
             <a:r>
-              <a:rPr lang="ru-RU" dirty="0" smtClean="0"/>
+              <a:rPr lang="ru-RU" sz="2200" dirty="0" smtClean="0"/>
               <a:t>.</a:t>
             </a:r>
           </a:p>
@@ -5450,33 +5500,29 @@
             <a:pPr marL="514350" indent="-514350">
               <a:buNone/>
             </a:pPr>
-            <a:endParaRPr lang="ru-RU" dirty="0" smtClean="0"/>
+            <a:r>
+              <a:rPr lang="ru-RU" sz="2200" dirty="0" smtClean="0"/>
+              <a:t>	Полным </a:t>
+            </a:r>
+            <a:r>
+              <a:rPr lang="ru-RU" sz="2200" dirty="0" smtClean="0"/>
+              <a:t>проверяющим тестом называется конечное множество входных последовательностей конечной длины, по реакциям на которые можно отличить всякую </a:t>
+            </a:r>
+            <a:r>
+              <a:rPr lang="ru-RU" sz="2200" dirty="0" err="1" smtClean="0"/>
+              <a:t>неконформную</a:t>
+            </a:r>
+            <a:r>
+              <a:rPr lang="ru-RU" sz="2200" dirty="0" smtClean="0"/>
+              <a:t> реализацию из области неисправности. </a:t>
+            </a:r>
           </a:p>
           <a:p>
             <a:pPr marL="514350" indent="-514350">
-              <a:buNone/>
+              <a:buFont typeface="+mj-lt"/>
+              <a:buAutoNum type="arabicPeriod"/>
             </a:pPr>
-            <a:r>
-              <a:rPr lang="ru-RU" dirty="0" smtClean="0"/>
-              <a:t>Полным </a:t>
-            </a:r>
-            <a:r>
-              <a:rPr lang="ru-RU" dirty="0"/>
-              <a:t>проверяющим тестом называется конечное множество входных последовательностей конечной длины, по реакциям на которые можно отличить всякую </a:t>
-            </a:r>
-            <a:r>
-              <a:rPr lang="ru-RU" dirty="0" err="1"/>
-              <a:t>неконформную</a:t>
-            </a:r>
-            <a:r>
-              <a:rPr lang="ru-RU" dirty="0"/>
-              <a:t> реализацию из области неисправности. Если проверяемый автомат на последовательности теста реагирует так же, как эталонный автомат, то гарантируется, что на все остальные последовательности он будет реагировать, как </a:t>
-            </a:r>
-            <a:r>
-              <a:rPr lang="ru-RU" dirty="0" smtClean="0"/>
-              <a:t>эталон.</a:t>
-            </a:r>
-            <a:endParaRPr lang="ru-RU" dirty="0"/>
+            <a:endParaRPr lang="ru-RU" sz="2400" dirty="0" smtClean="0"/>
           </a:p>
         </p:txBody>
       </p:sp>
@@ -5707,7 +5753,7 @@
                                         <p:tgtEl>
                                           <p:spTgt spid="3">
                                             <p:txEl>
-                                              <p:pRg st="5" end="5"/>
+                                              <p:pRg st="4" end="4"/>
                                             </p:txEl>
                                           </p:spTgt>
                                         </p:tgtEl>
@@ -5725,7 +5771,7 @@
                                         <p:tgtEl>
                                           <p:spTgt spid="3">
                                             <p:txEl>
-                                              <p:pRg st="5" end="5"/>
+                                              <p:pRg st="4" end="4"/>
                                             </p:txEl>
                                           </p:spTgt>
                                         </p:tgtEl>
@@ -5900,11 +5946,7 @@
           <a:p>
             <a:r>
               <a:rPr lang="ru-RU" dirty="0" smtClean="0"/>
-              <a:t>0/2 </a:t>
-            </a:r>
-            <a:r>
-              <a:rPr lang="ru-RU" dirty="0" smtClean="0"/>
-              <a:t>4/2 1/3</a:t>
+              <a:t>0/2 4/2 1/3</a:t>
             </a:r>
             <a:br>
               <a:rPr lang="ru-RU" dirty="0" smtClean="0"/>
@@ -9903,17 +9945,7 @@
                 <a:latin typeface="JetBrains Mono"/>
                 <a:cs typeface="Arial" pitchFamily="34" charset="0"/>
               </a:rPr>
-              <a:t>	</a:t>
-            </a:r>
-            <a:r>
-              <a:rPr lang="en-US" sz="1000" dirty="0" smtClean="0">
-                <a:solidFill>
-                  <a:srgbClr val="CC7832"/>
-                </a:solidFill>
-                <a:latin typeface="JetBrains Mono"/>
-                <a:cs typeface="Arial" pitchFamily="34" charset="0"/>
-              </a:rPr>
-              <a:t>…</a:t>
+              <a:t>	…</a:t>
             </a:r>
             <a:endParaRPr kumimoji="0" lang="ru-RU" sz="1800" b="0" i="0" u="none" strike="noStrike" cap="none" normalizeH="0" baseline="0" dirty="0" smtClean="0">
               <a:ln>
@@ -10144,7 +10176,7 @@
           <a:p>
             <a:r>
               <a:rPr lang="ru-RU" dirty="0" smtClean="0"/>
-              <a:t>Цель:</a:t>
+              <a:t>Цель</a:t>
             </a:r>
             <a:endParaRPr lang="ru-RU" dirty="0"/>
           </a:p>
@@ -10175,7 +10207,19 @@
             <a:pPr marL="514350" indent="-514350"/>
             <a:r>
               <a:rPr lang="ru-RU" dirty="0" smtClean="0"/>
-              <a:t>Автоматизировать создание </a:t>
+              <a:t>Автоматизировать </a:t>
+            </a:r>
+            <a:r>
+              <a:rPr lang="ru-RU" dirty="0" smtClean="0"/>
+              <a:t>создание и </a:t>
+            </a:r>
+            <a:r>
+              <a:rPr lang="ru-RU" dirty="0" smtClean="0"/>
+              <a:t>выполнение</a:t>
+            </a:r>
+            <a:r>
+              <a:rPr lang="ru-RU" dirty="0" smtClean="0"/>
+              <a:t> </a:t>
             </a:r>
             <a:r>
               <a:rPr lang="en-US" dirty="0" err="1" smtClean="0"/>
